--- a/CalendarioAgo21/Laboratorios/Laboratorio8/Lab8_Imagen.pptx
+++ b/CalendarioAgo21/Laboratorios/Laboratorio8/Lab8_Imagen.pptx
@@ -104,6 +104,11 @@
       </a:defRPr>
     </a:lvl9pPr>
   </p:defaultTextStyle>
+  <p:extLst>
+    <p:ext uri="{EFAFB233-063F-42B5-8137-9DF3F51BA10A}">
+      <p15:sldGuideLst xmlns:p15="http://schemas.microsoft.com/office/powerpoint/2012/main"/>
+    </p:ext>
+  </p:extLst>
 </p:presentation>
 </file>
 
@@ -256,9 +261,9 @@
           <a:p>
             <a:fld id="{7DF7B5AE-D652-47DA-814F-E8FBF0FA59F4}" type="datetimeFigureOut">
               <a:rPr lang="es-MX" smtClean="0"/>
-              <a:t>07/04/2021</a:t>
+              <a:t>29/09/2021</a:t>
             </a:fld>
-            <a:endParaRPr lang="es-MX"/>
+            <a:endParaRPr lang="es-MX" dirty="0"/>
           </a:p>
         </p:txBody>
       </p:sp>
@@ -283,7 +288,7 @@
           <a:bodyPr/>
           <a:lstStyle/>
           <a:p>
-            <a:endParaRPr lang="es-MX"/>
+            <a:endParaRPr lang="es-MX" dirty="0"/>
           </a:p>
         </p:txBody>
       </p:sp>
@@ -312,7 +317,7 @@
               <a:rPr lang="es-MX" smtClean="0"/>
               <a:t>‹Nº›</a:t>
             </a:fld>
-            <a:endParaRPr lang="es-MX"/>
+            <a:endParaRPr lang="es-MX" dirty="0"/>
           </a:p>
         </p:txBody>
       </p:sp>
@@ -456,9 +461,9 @@
           <a:p>
             <a:fld id="{7DF7B5AE-D652-47DA-814F-E8FBF0FA59F4}" type="datetimeFigureOut">
               <a:rPr lang="es-MX" smtClean="0"/>
-              <a:t>07/04/2021</a:t>
+              <a:t>29/09/2021</a:t>
             </a:fld>
-            <a:endParaRPr lang="es-MX"/>
+            <a:endParaRPr lang="es-MX" dirty="0"/>
           </a:p>
         </p:txBody>
       </p:sp>
@@ -483,7 +488,7 @@
           <a:bodyPr/>
           <a:lstStyle/>
           <a:p>
-            <a:endParaRPr lang="es-MX"/>
+            <a:endParaRPr lang="es-MX" dirty="0"/>
           </a:p>
         </p:txBody>
       </p:sp>
@@ -512,7 +517,7 @@
               <a:rPr lang="es-MX" smtClean="0"/>
               <a:t>‹Nº›</a:t>
             </a:fld>
-            <a:endParaRPr lang="es-MX"/>
+            <a:endParaRPr lang="es-MX" dirty="0"/>
           </a:p>
         </p:txBody>
       </p:sp>
@@ -666,9 +671,9 @@
           <a:p>
             <a:fld id="{7DF7B5AE-D652-47DA-814F-E8FBF0FA59F4}" type="datetimeFigureOut">
               <a:rPr lang="es-MX" smtClean="0"/>
-              <a:t>07/04/2021</a:t>
+              <a:t>29/09/2021</a:t>
             </a:fld>
-            <a:endParaRPr lang="es-MX"/>
+            <a:endParaRPr lang="es-MX" dirty="0"/>
           </a:p>
         </p:txBody>
       </p:sp>
@@ -693,7 +698,7 @@
           <a:bodyPr/>
           <a:lstStyle/>
           <a:p>
-            <a:endParaRPr lang="es-MX"/>
+            <a:endParaRPr lang="es-MX" dirty="0"/>
           </a:p>
         </p:txBody>
       </p:sp>
@@ -722,7 +727,7 @@
               <a:rPr lang="es-MX" smtClean="0"/>
               <a:t>‹Nº›</a:t>
             </a:fld>
-            <a:endParaRPr lang="es-MX"/>
+            <a:endParaRPr lang="es-MX" dirty="0"/>
           </a:p>
         </p:txBody>
       </p:sp>
@@ -866,9 +871,9 @@
           <a:p>
             <a:fld id="{7DF7B5AE-D652-47DA-814F-E8FBF0FA59F4}" type="datetimeFigureOut">
               <a:rPr lang="es-MX" smtClean="0"/>
-              <a:t>07/04/2021</a:t>
+              <a:t>29/09/2021</a:t>
             </a:fld>
-            <a:endParaRPr lang="es-MX"/>
+            <a:endParaRPr lang="es-MX" dirty="0"/>
           </a:p>
         </p:txBody>
       </p:sp>
@@ -893,7 +898,7 @@
           <a:bodyPr/>
           <a:lstStyle/>
           <a:p>
-            <a:endParaRPr lang="es-MX"/>
+            <a:endParaRPr lang="es-MX" dirty="0"/>
           </a:p>
         </p:txBody>
       </p:sp>
@@ -922,7 +927,7 @@
               <a:rPr lang="es-MX" smtClean="0"/>
               <a:t>‹Nº›</a:t>
             </a:fld>
-            <a:endParaRPr lang="es-MX"/>
+            <a:endParaRPr lang="es-MX" dirty="0"/>
           </a:p>
         </p:txBody>
       </p:sp>
@@ -1142,9 +1147,9 @@
           <a:p>
             <a:fld id="{7DF7B5AE-D652-47DA-814F-E8FBF0FA59F4}" type="datetimeFigureOut">
               <a:rPr lang="es-MX" smtClean="0"/>
-              <a:t>07/04/2021</a:t>
+              <a:t>29/09/2021</a:t>
             </a:fld>
-            <a:endParaRPr lang="es-MX"/>
+            <a:endParaRPr lang="es-MX" dirty="0"/>
           </a:p>
         </p:txBody>
       </p:sp>
@@ -1169,7 +1174,7 @@
           <a:bodyPr/>
           <a:lstStyle/>
           <a:p>
-            <a:endParaRPr lang="es-MX"/>
+            <a:endParaRPr lang="es-MX" dirty="0"/>
           </a:p>
         </p:txBody>
       </p:sp>
@@ -1198,7 +1203,7 @@
               <a:rPr lang="es-MX" smtClean="0"/>
               <a:t>‹Nº›</a:t>
             </a:fld>
-            <a:endParaRPr lang="es-MX"/>
+            <a:endParaRPr lang="es-MX" dirty="0"/>
           </a:p>
         </p:txBody>
       </p:sp>
@@ -1410,9 +1415,9 @@
           <a:p>
             <a:fld id="{7DF7B5AE-D652-47DA-814F-E8FBF0FA59F4}" type="datetimeFigureOut">
               <a:rPr lang="es-MX" smtClean="0"/>
-              <a:t>07/04/2021</a:t>
+              <a:t>29/09/2021</a:t>
             </a:fld>
-            <a:endParaRPr lang="es-MX"/>
+            <a:endParaRPr lang="es-MX" dirty="0"/>
           </a:p>
         </p:txBody>
       </p:sp>
@@ -1437,7 +1442,7 @@
           <a:bodyPr/>
           <a:lstStyle/>
           <a:p>
-            <a:endParaRPr lang="es-MX"/>
+            <a:endParaRPr lang="es-MX" dirty="0"/>
           </a:p>
         </p:txBody>
       </p:sp>
@@ -1466,7 +1471,7 @@
               <a:rPr lang="es-MX" smtClean="0"/>
               <a:t>‹Nº›</a:t>
             </a:fld>
-            <a:endParaRPr lang="es-MX"/>
+            <a:endParaRPr lang="es-MX" dirty="0"/>
           </a:p>
         </p:txBody>
       </p:sp>
@@ -1825,9 +1830,9 @@
           <a:p>
             <a:fld id="{7DF7B5AE-D652-47DA-814F-E8FBF0FA59F4}" type="datetimeFigureOut">
               <a:rPr lang="es-MX" smtClean="0"/>
-              <a:t>07/04/2021</a:t>
+              <a:t>29/09/2021</a:t>
             </a:fld>
-            <a:endParaRPr lang="es-MX"/>
+            <a:endParaRPr lang="es-MX" dirty="0"/>
           </a:p>
         </p:txBody>
       </p:sp>
@@ -1852,7 +1857,7 @@
           <a:bodyPr/>
           <a:lstStyle/>
           <a:p>
-            <a:endParaRPr lang="es-MX"/>
+            <a:endParaRPr lang="es-MX" dirty="0"/>
           </a:p>
         </p:txBody>
       </p:sp>
@@ -1881,7 +1886,7 @@
               <a:rPr lang="es-MX" smtClean="0"/>
               <a:t>‹Nº›</a:t>
             </a:fld>
-            <a:endParaRPr lang="es-MX"/>
+            <a:endParaRPr lang="es-MX" dirty="0"/>
           </a:p>
         </p:txBody>
       </p:sp>
@@ -1967,9 +1972,9 @@
           <a:p>
             <a:fld id="{7DF7B5AE-D652-47DA-814F-E8FBF0FA59F4}" type="datetimeFigureOut">
               <a:rPr lang="es-MX" smtClean="0"/>
-              <a:t>07/04/2021</a:t>
+              <a:t>29/09/2021</a:t>
             </a:fld>
-            <a:endParaRPr lang="es-MX"/>
+            <a:endParaRPr lang="es-MX" dirty="0"/>
           </a:p>
         </p:txBody>
       </p:sp>
@@ -1994,7 +1999,7 @@
           <a:bodyPr/>
           <a:lstStyle/>
           <a:p>
-            <a:endParaRPr lang="es-MX"/>
+            <a:endParaRPr lang="es-MX" dirty="0"/>
           </a:p>
         </p:txBody>
       </p:sp>
@@ -2023,7 +2028,7 @@
               <a:rPr lang="es-MX" smtClean="0"/>
               <a:t>‹Nº›</a:t>
             </a:fld>
-            <a:endParaRPr lang="es-MX"/>
+            <a:endParaRPr lang="es-MX" dirty="0"/>
           </a:p>
         </p:txBody>
       </p:sp>
@@ -2080,9 +2085,9 @@
           <a:p>
             <a:fld id="{7DF7B5AE-D652-47DA-814F-E8FBF0FA59F4}" type="datetimeFigureOut">
               <a:rPr lang="es-MX" smtClean="0"/>
-              <a:t>07/04/2021</a:t>
+              <a:t>29/09/2021</a:t>
             </a:fld>
-            <a:endParaRPr lang="es-MX"/>
+            <a:endParaRPr lang="es-MX" dirty="0"/>
           </a:p>
         </p:txBody>
       </p:sp>
@@ -2107,7 +2112,7 @@
           <a:bodyPr/>
           <a:lstStyle/>
           <a:p>
-            <a:endParaRPr lang="es-MX"/>
+            <a:endParaRPr lang="es-MX" dirty="0"/>
           </a:p>
         </p:txBody>
       </p:sp>
@@ -2136,7 +2141,7 @@
               <a:rPr lang="es-MX" smtClean="0"/>
               <a:t>‹Nº›</a:t>
             </a:fld>
-            <a:endParaRPr lang="es-MX"/>
+            <a:endParaRPr lang="es-MX" dirty="0"/>
           </a:p>
         </p:txBody>
       </p:sp>
@@ -2393,9 +2398,9 @@
           <a:p>
             <a:fld id="{7DF7B5AE-D652-47DA-814F-E8FBF0FA59F4}" type="datetimeFigureOut">
               <a:rPr lang="es-MX" smtClean="0"/>
-              <a:t>07/04/2021</a:t>
+              <a:t>29/09/2021</a:t>
             </a:fld>
-            <a:endParaRPr lang="es-MX"/>
+            <a:endParaRPr lang="es-MX" dirty="0"/>
           </a:p>
         </p:txBody>
       </p:sp>
@@ -2420,7 +2425,7 @@
           <a:bodyPr/>
           <a:lstStyle/>
           <a:p>
-            <a:endParaRPr lang="es-MX"/>
+            <a:endParaRPr lang="es-MX" dirty="0"/>
           </a:p>
         </p:txBody>
       </p:sp>
@@ -2449,7 +2454,7 @@
               <a:rPr lang="es-MX" smtClean="0"/>
               <a:t>‹Nº›</a:t>
             </a:fld>
-            <a:endParaRPr lang="es-MX"/>
+            <a:endParaRPr lang="es-MX" dirty="0"/>
           </a:p>
         </p:txBody>
       </p:sp>
@@ -2584,7 +2589,7 @@
             </a:lvl9pPr>
           </a:lstStyle>
           <a:p>
-            <a:endParaRPr lang="es-MX"/>
+            <a:endParaRPr lang="es-MX" dirty="0"/>
           </a:p>
         </p:txBody>
       </p:sp>
@@ -2682,9 +2687,9 @@
           <a:p>
             <a:fld id="{7DF7B5AE-D652-47DA-814F-E8FBF0FA59F4}" type="datetimeFigureOut">
               <a:rPr lang="es-MX" smtClean="0"/>
-              <a:t>07/04/2021</a:t>
+              <a:t>29/09/2021</a:t>
             </a:fld>
-            <a:endParaRPr lang="es-MX"/>
+            <a:endParaRPr lang="es-MX" dirty="0"/>
           </a:p>
         </p:txBody>
       </p:sp>
@@ -2709,7 +2714,7 @@
           <a:bodyPr/>
           <a:lstStyle/>
           <a:p>
-            <a:endParaRPr lang="es-MX"/>
+            <a:endParaRPr lang="es-MX" dirty="0"/>
           </a:p>
         </p:txBody>
       </p:sp>
@@ -2738,7 +2743,7 @@
               <a:rPr lang="es-MX" smtClean="0"/>
               <a:t>‹Nº›</a:t>
             </a:fld>
-            <a:endParaRPr lang="es-MX"/>
+            <a:endParaRPr lang="es-MX" dirty="0"/>
           </a:p>
         </p:txBody>
       </p:sp>
@@ -2925,9 +2930,9 @@
           <a:p>
             <a:fld id="{7DF7B5AE-D652-47DA-814F-E8FBF0FA59F4}" type="datetimeFigureOut">
               <a:rPr lang="es-MX" smtClean="0"/>
-              <a:t>07/04/2021</a:t>
+              <a:t>29/09/2021</a:t>
             </a:fld>
-            <a:endParaRPr lang="es-MX"/>
+            <a:endParaRPr lang="es-MX" dirty="0"/>
           </a:p>
         </p:txBody>
       </p:sp>
@@ -2970,7 +2975,7 @@
             </a:lvl1pPr>
           </a:lstStyle>
           <a:p>
-            <a:endParaRPr lang="es-MX"/>
+            <a:endParaRPr lang="es-MX" dirty="0"/>
           </a:p>
         </p:txBody>
       </p:sp>
@@ -3017,7 +3022,7 @@
               <a:rPr lang="es-MX" smtClean="0"/>
               <a:t>‹Nº›</a:t>
             </a:fld>
-            <a:endParaRPr lang="es-MX"/>
+            <a:endParaRPr lang="es-MX" dirty="0"/>
           </a:p>
         </p:txBody>
       </p:sp>
@@ -3342,45 +3347,362 @@
           <a:chExt cx="0" cy="0"/>
         </a:xfrm>
       </p:grpSpPr>
-      <p:pic>
-        <p:nvPicPr>
-          <p:cNvPr id="4" name="Imagen 3">
-            <a:extLst>
-              <a:ext uri="{FF2B5EF4-FFF2-40B4-BE49-F238E27FC236}">
-                <a16:creationId xmlns:a16="http://schemas.microsoft.com/office/drawing/2014/main" id="{38488D9E-C56E-4F57-B681-91BE3BA90EA3}"/>
-              </a:ext>
-            </a:extLst>
-          </p:cNvPr>
-          <p:cNvPicPr/>
+      <p:grpSp>
+        <p:nvGrpSpPr>
+          <p:cNvPr id="8" name="Grupo 7">
+            <a:extLst>
+              <a:ext uri="{FF2B5EF4-FFF2-40B4-BE49-F238E27FC236}">
+                <a16:creationId xmlns:a16="http://schemas.microsoft.com/office/drawing/2014/main" id="{2A0CD5D1-CA88-43ED-9E67-57DBF3B1F497}"/>
+              </a:ext>
+            </a:extLst>
+          </p:cNvPr>
+          <p:cNvGrpSpPr/>
           <p:nvPr/>
-        </p:nvPicPr>
-        <p:blipFill>
-          <a:blip r:embed="rId2">
-            <a:extLst>
-              <a:ext uri="{28A0092B-C50C-407E-A947-70E740481C1C}">
-                <a14:useLocalDpi xmlns:a14="http://schemas.microsoft.com/office/drawing/2010/main" val="0"/>
-              </a:ext>
-            </a:extLst>
-          </a:blip>
-          <a:srcRect/>
-          <a:stretch>
-            <a:fillRect/>
-          </a:stretch>
-        </p:blipFill>
-        <p:spPr bwMode="auto">
+        </p:nvGrpSpPr>
+        <p:grpSpPr>
           <a:xfrm>
-            <a:off x="2393620" y="824733"/>
-            <a:ext cx="7748863" cy="5470964"/>
+            <a:off x="2035694" y="770842"/>
+            <a:ext cx="8120611" cy="5722137"/>
+            <a:chOff x="2211057" y="618442"/>
+            <a:chExt cx="8120611" cy="5722137"/>
+          </a:xfrm>
+        </p:grpSpPr>
+        <p:pic>
+          <p:nvPicPr>
+            <p:cNvPr id="4" name="Imagen 3">
+              <a:extLst>
+                <a:ext uri="{FF2B5EF4-FFF2-40B4-BE49-F238E27FC236}">
+                  <a16:creationId xmlns:a16="http://schemas.microsoft.com/office/drawing/2014/main" id="{38488D9E-C56E-4F57-B681-91BE3BA90EA3}"/>
+                </a:ext>
+              </a:extLst>
+            </p:cNvPr>
+            <p:cNvPicPr/>
+            <p:nvPr/>
+          </p:nvPicPr>
+          <p:blipFill>
+            <a:blip r:embed="rId2">
+              <a:extLst>
+                <a:ext uri="{28A0092B-C50C-407E-A947-70E740481C1C}">
+                  <a14:useLocalDpi xmlns:a14="http://schemas.microsoft.com/office/drawing/2010/main" val="0"/>
+                </a:ext>
+              </a:extLst>
+            </a:blip>
+            <a:srcRect/>
+            <a:stretch>
+              <a:fillRect/>
+            </a:stretch>
+          </p:blipFill>
+          <p:spPr bwMode="auto">
+            <a:xfrm>
+              <a:off x="2211057" y="618442"/>
+              <a:ext cx="8120611" cy="5722137"/>
+            </a:xfrm>
+            <a:prstGeom prst="rect">
+              <a:avLst/>
+            </a:prstGeom>
+            <a:noFill/>
+            <a:ln>
+              <a:noFill/>
+            </a:ln>
+          </p:spPr>
+        </p:pic>
+        <p:sp>
+          <p:nvSpPr>
+            <p:cNvPr id="5" name="CuadroTexto 4">
+              <a:extLst>
+                <a:ext uri="{FF2B5EF4-FFF2-40B4-BE49-F238E27FC236}">
+                  <a16:creationId xmlns:a16="http://schemas.microsoft.com/office/drawing/2014/main" id="{4AC575C8-DE8C-4F5F-BE2F-294D614964FF}"/>
+                </a:ext>
+              </a:extLst>
+            </p:cNvPr>
+            <p:cNvSpPr txBox="1"/>
+            <p:nvPr/>
+          </p:nvSpPr>
+          <p:spPr>
+            <a:xfrm>
+              <a:off x="3267767" y="2099394"/>
+              <a:ext cx="1361620" cy="369332"/>
+            </a:xfrm>
+            <a:prstGeom prst="rect">
+              <a:avLst/>
+            </a:prstGeom>
+            <a:noFill/>
+          </p:spPr>
+          <p:txBody>
+            <a:bodyPr wrap="square" rtlCol="0">
+              <a:spAutoFit/>
+            </a:bodyPr>
+            <a:lstStyle/>
+            <a:p>
+              <a:pPr algn="r"/>
+              <a:r>
+                <a:rPr lang="es-ES" b="1" dirty="0"/>
+                <a:t>192.168.1.1</a:t>
+              </a:r>
+              <a:endParaRPr lang="es-MX" b="1" dirty="0"/>
+            </a:p>
+          </p:txBody>
+        </p:sp>
+        <p:sp>
+          <p:nvSpPr>
+            <p:cNvPr id="3" name="Rectángulo: esquinas redondeadas 2">
+              <a:extLst>
+                <a:ext uri="{FF2B5EF4-FFF2-40B4-BE49-F238E27FC236}">
+                  <a16:creationId xmlns:a16="http://schemas.microsoft.com/office/drawing/2014/main" id="{EA4CD8BF-D2A3-4EAE-9B5C-8BA1B0989606}"/>
+                </a:ext>
+              </a:extLst>
+            </p:cNvPr>
+            <p:cNvSpPr/>
+            <p:nvPr/>
+          </p:nvSpPr>
+          <p:spPr>
+            <a:xfrm>
+              <a:off x="3579415" y="5363832"/>
+              <a:ext cx="2516585" cy="731425"/>
+            </a:xfrm>
+            <a:prstGeom prst="roundRect">
+              <a:avLst/>
+            </a:prstGeom>
+            <a:solidFill>
+              <a:srgbClr val="C5FC8E"/>
+            </a:solidFill>
+          </p:spPr>
+          <p:style>
+            <a:lnRef idx="2">
+              <a:schemeClr val="accent1">
+                <a:shade val="50000"/>
+              </a:schemeClr>
+            </a:lnRef>
+            <a:fillRef idx="1">
+              <a:schemeClr val="accent1"/>
+            </a:fillRef>
+            <a:effectRef idx="0">
+              <a:schemeClr val="accent1"/>
+            </a:effectRef>
+            <a:fontRef idx="minor">
+              <a:schemeClr val="lt1"/>
+            </a:fontRef>
+          </p:style>
+          <p:txBody>
+            <a:bodyPr rtlCol="0" anchor="ctr"/>
+            <a:lstStyle/>
+            <a:p>
+              <a:pPr algn="ctr"/>
+              <a:r>
+                <a:rPr lang="es-ES" b="1" dirty="0">
+                  <a:solidFill>
+                    <a:schemeClr val="tx1"/>
+                  </a:solidFill>
+                </a:rPr>
+                <a:t>VLAN 10: Students</a:t>
+              </a:r>
+            </a:p>
+            <a:p>
+              <a:pPr algn="ctr"/>
+              <a:r>
+                <a:rPr lang="es-ES" b="1" dirty="0">
+                  <a:solidFill>
+                    <a:schemeClr val="tx1"/>
+                  </a:solidFill>
+                </a:rPr>
+                <a:t>192.168.10.0 /24</a:t>
+              </a:r>
+              <a:endParaRPr lang="es-MX" b="1" dirty="0">
+                <a:solidFill>
+                  <a:schemeClr val="tx1"/>
+                </a:solidFill>
+              </a:endParaRPr>
+            </a:p>
+          </p:txBody>
+        </p:sp>
+        <p:sp>
+          <p:nvSpPr>
+            <p:cNvPr id="6" name="Rectángulo: esquinas redondeadas 5">
+              <a:extLst>
+                <a:ext uri="{FF2B5EF4-FFF2-40B4-BE49-F238E27FC236}">
+                  <a16:creationId xmlns:a16="http://schemas.microsoft.com/office/drawing/2014/main" id="{011D71AE-1F03-44EF-BC92-9E25EC054245}"/>
+                </a:ext>
+              </a:extLst>
+            </p:cNvPr>
+            <p:cNvSpPr/>
+            <p:nvPr/>
+          </p:nvSpPr>
+          <p:spPr>
+            <a:xfrm>
+              <a:off x="6601139" y="5451499"/>
+              <a:ext cx="2516585" cy="731425"/>
+            </a:xfrm>
+            <a:prstGeom prst="roundRect">
+              <a:avLst/>
+            </a:prstGeom>
+            <a:solidFill>
+              <a:srgbClr val="D777FD"/>
+            </a:solidFill>
+          </p:spPr>
+          <p:style>
+            <a:lnRef idx="2">
+              <a:schemeClr val="accent1">
+                <a:shade val="50000"/>
+              </a:schemeClr>
+            </a:lnRef>
+            <a:fillRef idx="1">
+              <a:schemeClr val="accent1"/>
+            </a:fillRef>
+            <a:effectRef idx="0">
+              <a:schemeClr val="accent1"/>
+            </a:effectRef>
+            <a:fontRef idx="minor">
+              <a:schemeClr val="lt1"/>
+            </a:fontRef>
+          </p:style>
+          <p:txBody>
+            <a:bodyPr rtlCol="0" anchor="ctr"/>
+            <a:lstStyle/>
+            <a:p>
+              <a:pPr algn="ctr"/>
+              <a:r>
+                <a:rPr lang="es-ES" b="1" dirty="0">
+                  <a:solidFill>
+                    <a:schemeClr val="tx1"/>
+                  </a:solidFill>
+                </a:rPr>
+                <a:t>VLAN 20: Faculty</a:t>
+              </a:r>
+            </a:p>
+            <a:p>
+              <a:pPr algn="ctr"/>
+              <a:r>
+                <a:rPr lang="es-ES" b="1" dirty="0">
+                  <a:solidFill>
+                    <a:schemeClr val="tx1"/>
+                  </a:solidFill>
+                </a:rPr>
+                <a:t>192.168.20.0 /24</a:t>
+              </a:r>
+              <a:endParaRPr lang="es-MX" b="1" dirty="0">
+                <a:solidFill>
+                  <a:schemeClr val="tx1"/>
+                </a:solidFill>
+              </a:endParaRPr>
+            </a:p>
+          </p:txBody>
+        </p:sp>
+        <p:sp>
+          <p:nvSpPr>
+            <p:cNvPr id="7" name="Rectángulo: esquinas redondeadas 6">
+              <a:extLst>
+                <a:ext uri="{FF2B5EF4-FFF2-40B4-BE49-F238E27FC236}">
+                  <a16:creationId xmlns:a16="http://schemas.microsoft.com/office/drawing/2014/main" id="{960BEA8B-5F4D-4BA0-8AE2-6B0E2C19B93C}"/>
+                </a:ext>
+              </a:extLst>
+            </p:cNvPr>
+            <p:cNvSpPr/>
+            <p:nvPr/>
+          </p:nvSpPr>
+          <p:spPr>
+            <a:xfrm>
+              <a:off x="5686097" y="1641238"/>
+              <a:ext cx="2516585" cy="731425"/>
+            </a:xfrm>
+            <a:prstGeom prst="roundRect">
+              <a:avLst/>
+            </a:prstGeom>
+            <a:solidFill>
+              <a:schemeClr val="accent3">
+                <a:lumMod val="40000"/>
+                <a:lumOff val="60000"/>
+              </a:schemeClr>
+            </a:solidFill>
+          </p:spPr>
+          <p:style>
+            <a:lnRef idx="2">
+              <a:schemeClr val="accent1">
+                <a:shade val="50000"/>
+              </a:schemeClr>
+            </a:lnRef>
+            <a:fillRef idx="1">
+              <a:schemeClr val="accent1"/>
+            </a:fillRef>
+            <a:effectRef idx="0">
+              <a:schemeClr val="accent1"/>
+            </a:effectRef>
+            <a:fontRef idx="minor">
+              <a:schemeClr val="lt1"/>
+            </a:fontRef>
+          </p:style>
+          <p:txBody>
+            <a:bodyPr rtlCol="0" anchor="ctr"/>
+            <a:lstStyle/>
+            <a:p>
+              <a:pPr algn="ctr"/>
+              <a:r>
+                <a:rPr lang="es-ES" b="1" dirty="0">
+                  <a:solidFill>
+                    <a:schemeClr val="tx1"/>
+                  </a:solidFill>
+                </a:rPr>
+                <a:t>VLAN 1: Native</a:t>
+              </a:r>
+            </a:p>
+            <a:p>
+              <a:pPr algn="ctr"/>
+              <a:r>
+                <a:rPr lang="es-ES" b="1" dirty="0">
+                  <a:solidFill>
+                    <a:schemeClr val="tx1"/>
+                  </a:solidFill>
+                </a:rPr>
+                <a:t>192.168.1.0 /24</a:t>
+              </a:r>
+              <a:endParaRPr lang="es-MX" b="1" dirty="0">
+                <a:solidFill>
+                  <a:schemeClr val="tx1"/>
+                </a:solidFill>
+              </a:endParaRPr>
+            </a:p>
+          </p:txBody>
+        </p:sp>
+      </p:grpSp>
+      <p:sp>
+        <p:nvSpPr>
+          <p:cNvPr id="9" name="CuadroTexto 8">
+            <a:extLst>
+              <a:ext uri="{FF2B5EF4-FFF2-40B4-BE49-F238E27FC236}">
+                <a16:creationId xmlns:a16="http://schemas.microsoft.com/office/drawing/2014/main" id="{C81A6F91-28D8-46C7-9667-520048885A25}"/>
+              </a:ext>
+            </a:extLst>
+          </p:cNvPr>
+          <p:cNvSpPr txBox="1"/>
+          <p:nvPr/>
+        </p:nvSpPr>
+        <p:spPr>
+          <a:xfrm>
+            <a:off x="3505235" y="250711"/>
+            <a:ext cx="5048177" cy="461665"/>
           </a:xfrm>
           <a:prstGeom prst="rect">
             <a:avLst/>
           </a:prstGeom>
           <a:noFill/>
-          <a:ln>
-            <a:noFill/>
-          </a:ln>
         </p:spPr>
-      </p:pic>
+        <p:txBody>
+          <a:bodyPr wrap="none" rtlCol="0">
+            <a:spAutoFit/>
+          </a:bodyPr>
+          <a:lstStyle/>
+          <a:p>
+            <a:r>
+              <a:rPr lang="es-ES" sz="2400" b="1" dirty="0">
+                <a:latin typeface="Century Gothic" panose="020B0502020202020204" pitchFamily="34" charset="0"/>
+              </a:rPr>
+              <a:t>Laboratorio 8: Ruteo entre VLANs</a:t>
+            </a:r>
+            <a:endParaRPr lang="es-MX" sz="2400" b="1" dirty="0">
+              <a:latin typeface="Century Gothic" panose="020B0502020202020204" pitchFamily="34" charset="0"/>
+            </a:endParaRPr>
+          </a:p>
+        </p:txBody>
+      </p:sp>
     </p:spTree>
     <p:extLst>
       <p:ext uri="{BB962C8B-B14F-4D97-AF65-F5344CB8AC3E}">
